--- a/State Machine Diagram/postStateMachine.pptx
+++ b/State Machine Diagram/postStateMachine.pptx
@@ -104,6 +104,11 @@
       </a:defRPr>
     </a:lvl9pPr>
   </p:defaultTextStyle>
+  <p:extLst>
+    <p:ext uri="{EFAFB233-063F-42B5-8137-9DF3F51BA10A}">
+      <p15:sldGuideLst xmlns:p15="http://schemas.microsoft.com/office/powerpoint/2012/main"/>
+    </p:ext>
+  </p:extLst>
 </p:presentation>
 </file>
 
@@ -254,7 +259,7 @@
           <a:p>
             <a:fld id="{E3C8D261-BA57-4EAC-ACFB-655D77EFE2CF}" type="datetimeFigureOut">
               <a:rPr lang="en-US" smtClean="0"/>
-              <a:t>5/18/2025</a:t>
+              <a:t>5/20/2025</a:t>
             </a:fld>
             <a:endParaRPr lang="en-US"/>
           </a:p>
@@ -452,7 +457,7 @@
           <a:p>
             <a:fld id="{E3C8D261-BA57-4EAC-ACFB-655D77EFE2CF}" type="datetimeFigureOut">
               <a:rPr lang="en-US" smtClean="0"/>
-              <a:t>5/18/2025</a:t>
+              <a:t>5/20/2025</a:t>
             </a:fld>
             <a:endParaRPr lang="en-US"/>
           </a:p>
@@ -660,7 +665,7 @@
           <a:p>
             <a:fld id="{E3C8D261-BA57-4EAC-ACFB-655D77EFE2CF}" type="datetimeFigureOut">
               <a:rPr lang="en-US" smtClean="0"/>
-              <a:t>5/18/2025</a:t>
+              <a:t>5/20/2025</a:t>
             </a:fld>
             <a:endParaRPr lang="en-US"/>
           </a:p>
@@ -858,7 +863,7 @@
           <a:p>
             <a:fld id="{E3C8D261-BA57-4EAC-ACFB-655D77EFE2CF}" type="datetimeFigureOut">
               <a:rPr lang="en-US" smtClean="0"/>
-              <a:t>5/18/2025</a:t>
+              <a:t>5/20/2025</a:t>
             </a:fld>
             <a:endParaRPr lang="en-US"/>
           </a:p>
@@ -1133,7 +1138,7 @@
           <a:p>
             <a:fld id="{E3C8D261-BA57-4EAC-ACFB-655D77EFE2CF}" type="datetimeFigureOut">
               <a:rPr lang="en-US" smtClean="0"/>
-              <a:t>5/18/2025</a:t>
+              <a:t>5/20/2025</a:t>
             </a:fld>
             <a:endParaRPr lang="en-US"/>
           </a:p>
@@ -1398,7 +1403,7 @@
           <a:p>
             <a:fld id="{E3C8D261-BA57-4EAC-ACFB-655D77EFE2CF}" type="datetimeFigureOut">
               <a:rPr lang="en-US" smtClean="0"/>
-              <a:t>5/18/2025</a:t>
+              <a:t>5/20/2025</a:t>
             </a:fld>
             <a:endParaRPr lang="en-US"/>
           </a:p>
@@ -1810,7 +1815,7 @@
           <a:p>
             <a:fld id="{E3C8D261-BA57-4EAC-ACFB-655D77EFE2CF}" type="datetimeFigureOut">
               <a:rPr lang="en-US" smtClean="0"/>
-              <a:t>5/18/2025</a:t>
+              <a:t>5/20/2025</a:t>
             </a:fld>
             <a:endParaRPr lang="en-US"/>
           </a:p>
@@ -1951,7 +1956,7 @@
           <a:p>
             <a:fld id="{E3C8D261-BA57-4EAC-ACFB-655D77EFE2CF}" type="datetimeFigureOut">
               <a:rPr lang="en-US" smtClean="0"/>
-              <a:t>5/18/2025</a:t>
+              <a:t>5/20/2025</a:t>
             </a:fld>
             <a:endParaRPr lang="en-US"/>
           </a:p>
@@ -2064,7 +2069,7 @@
           <a:p>
             <a:fld id="{E3C8D261-BA57-4EAC-ACFB-655D77EFE2CF}" type="datetimeFigureOut">
               <a:rPr lang="en-US" smtClean="0"/>
-              <a:t>5/18/2025</a:t>
+              <a:t>5/20/2025</a:t>
             </a:fld>
             <a:endParaRPr lang="en-US"/>
           </a:p>
@@ -2375,7 +2380,7 @@
           <a:p>
             <a:fld id="{E3C8D261-BA57-4EAC-ACFB-655D77EFE2CF}" type="datetimeFigureOut">
               <a:rPr lang="en-US" smtClean="0"/>
-              <a:t>5/18/2025</a:t>
+              <a:t>5/20/2025</a:t>
             </a:fld>
             <a:endParaRPr lang="en-US"/>
           </a:p>
@@ -2663,7 +2668,7 @@
           <a:p>
             <a:fld id="{E3C8D261-BA57-4EAC-ACFB-655D77EFE2CF}" type="datetimeFigureOut">
               <a:rPr lang="en-US" smtClean="0"/>
-              <a:t>5/18/2025</a:t>
+              <a:t>5/20/2025</a:t>
             </a:fld>
             <a:endParaRPr lang="en-US"/>
           </a:p>
@@ -2904,7 +2909,7 @@
           <a:p>
             <a:fld id="{E3C8D261-BA57-4EAC-ACFB-655D77EFE2CF}" type="datetimeFigureOut">
               <a:rPr lang="en-US" smtClean="0"/>
-              <a:t>5/18/2025</a:t>
+              <a:t>5/20/2025</a:t>
             </a:fld>
             <a:endParaRPr lang="en-US"/>
           </a:p>
@@ -3516,13 +3521,14 @@
           </p:cNvPr>
           <p:cNvCxnSpPr>
             <a:cxnSpLocks/>
+            <a:endCxn id="63" idx="0"/>
           </p:cNvCxnSpPr>
           <p:nvPr/>
         </p:nvCxnSpPr>
         <p:spPr>
           <a:xfrm flipH="1">
-            <a:off x="1070463" y="3454755"/>
-            <a:ext cx="423077" cy="1661814"/>
+            <a:off x="1256755" y="3454755"/>
+            <a:ext cx="236785" cy="1661814"/>
           </a:xfrm>
           <a:prstGeom prst="straightConnector1">
             <a:avLst/>
@@ -3730,8 +3736,8 @@
         </p:nvCxnSpPr>
         <p:spPr>
           <a:xfrm flipV="1">
-            <a:off x="1578787" y="3480085"/>
-            <a:ext cx="77604" cy="1636484"/>
+            <a:off x="1578787" y="3474681"/>
+            <a:ext cx="0" cy="1641888"/>
           </a:xfrm>
           <a:prstGeom prst="straightConnector1">
             <a:avLst/>
